--- a/SEMDS/L2.Version_control_part1.pptx
+++ b/SEMDS/L2.Version_control_part1.pptx
@@ -245,7 +245,7 @@
           <a:p>
             <a:fld id="{08F62E20-B1AA-3442-B8F1-F4A56998389D}" type="datetimeFigureOut">
               <a:rPr lang="en-US" smtClean="0"/>
-              <a:t>1/11/2024</a:t>
+              <a:t>1/14/2025</a:t>
             </a:fld>
             <a:endParaRPr lang="en-US"/>
           </a:p>
@@ -671,7 +671,7 @@
           <a:ln/>
           <a:extLst>
             <a:ext uri="{AF507438-7753-43e0-B8FC-AC1667EBCBE1}">
-              <a14:hiddenEffects xmlns:a14="http://schemas.microsoft.com/office/drawing/2010/main" xmlns="">
+              <a14:hiddenEffects xmlns="" xmlns:a14="http://schemas.microsoft.com/office/drawing/2010/main">
                 <a:effectLst>
                   <a:outerShdw blurRad="63500" dist="38099" dir="2700000" algn="ctr" rotWithShape="0">
                     <a:srgbClr val="000000">
@@ -702,7 +702,7 @@
           <a:ln/>
           <a:extLst>
             <a:ext uri="{AF507438-7753-43e0-B8FC-AC1667EBCBE1}">
-              <a14:hiddenEffects xmlns:a14="http://schemas.microsoft.com/office/drawing/2010/main" xmlns="">
+              <a14:hiddenEffects xmlns="" xmlns:a14="http://schemas.microsoft.com/office/drawing/2010/main">
                 <a:effectLst>
                   <a:outerShdw blurRad="63500" dist="38099" dir="2700000" algn="ctr" rotWithShape="0">
                     <a:srgbClr val="000000">
@@ -815,7 +815,7 @@
           <a:ln/>
           <a:extLst>
             <a:ext uri="{AF507438-7753-43e0-B8FC-AC1667EBCBE1}">
-              <a14:hiddenEffects xmlns:a14="http://schemas.microsoft.com/office/drawing/2010/main" xmlns="">
+              <a14:hiddenEffects xmlns="" xmlns:a14="http://schemas.microsoft.com/office/drawing/2010/main">
                 <a:effectLst>
                   <a:outerShdw blurRad="63500" dist="38099" dir="2700000" algn="ctr" rotWithShape="0">
                     <a:srgbClr val="000000">
@@ -846,7 +846,7 @@
           <a:ln/>
           <a:extLst>
             <a:ext uri="{AF507438-7753-43e0-B8FC-AC1667EBCBE1}">
-              <a14:hiddenEffects xmlns:a14="http://schemas.microsoft.com/office/drawing/2010/main" xmlns="">
+              <a14:hiddenEffects xmlns="" xmlns:a14="http://schemas.microsoft.com/office/drawing/2010/main">
                 <a:effectLst>
                   <a:outerShdw blurRad="63500" dist="38099" dir="2700000" algn="ctr" rotWithShape="0">
                     <a:srgbClr val="000000">
@@ -959,7 +959,7 @@
           <a:ln/>
           <a:extLst>
             <a:ext uri="{AF507438-7753-43e0-B8FC-AC1667EBCBE1}">
-              <a14:hiddenEffects xmlns:a14="http://schemas.microsoft.com/office/drawing/2010/main" xmlns="">
+              <a14:hiddenEffects xmlns="" xmlns:a14="http://schemas.microsoft.com/office/drawing/2010/main">
                 <a:effectLst>
                   <a:outerShdw blurRad="63500" dist="38099" dir="2700000" algn="ctr" rotWithShape="0">
                     <a:srgbClr val="000000">
@@ -990,7 +990,7 @@
           <a:ln/>
           <a:extLst>
             <a:ext uri="{AF507438-7753-43e0-B8FC-AC1667EBCBE1}">
-              <a14:hiddenEffects xmlns:a14="http://schemas.microsoft.com/office/drawing/2010/main" xmlns="">
+              <a14:hiddenEffects xmlns="" xmlns:a14="http://schemas.microsoft.com/office/drawing/2010/main">
                 <a:effectLst>
                   <a:outerShdw blurRad="63500" dist="38099" dir="2700000" algn="ctr" rotWithShape="0">
                     <a:srgbClr val="000000">
@@ -1103,7 +1103,7 @@
           <a:ln/>
           <a:extLst>
             <a:ext uri="{AF507438-7753-43e0-B8FC-AC1667EBCBE1}">
-              <a14:hiddenEffects xmlns:a14="http://schemas.microsoft.com/office/drawing/2010/main" xmlns="">
+              <a14:hiddenEffects xmlns="" xmlns:a14="http://schemas.microsoft.com/office/drawing/2010/main">
                 <a:effectLst>
                   <a:outerShdw blurRad="63500" dist="38099" dir="2700000" algn="ctr" rotWithShape="0">
                     <a:srgbClr val="000000">
@@ -1134,7 +1134,7 @@
           <a:ln/>
           <a:extLst>
             <a:ext uri="{AF507438-7753-43e0-B8FC-AC1667EBCBE1}">
-              <a14:hiddenEffects xmlns:a14="http://schemas.microsoft.com/office/drawing/2010/main" xmlns="">
+              <a14:hiddenEffects xmlns="" xmlns:a14="http://schemas.microsoft.com/office/drawing/2010/main">
                 <a:effectLst>
                   <a:outerShdw blurRad="63500" dist="38099" dir="2700000" algn="ctr" rotWithShape="0">
                     <a:srgbClr val="000000">
@@ -1247,7 +1247,7 @@
           <a:ln/>
           <a:extLst>
             <a:ext uri="{AF507438-7753-43e0-B8FC-AC1667EBCBE1}">
-              <a14:hiddenEffects xmlns:a14="http://schemas.microsoft.com/office/drawing/2010/main" xmlns="">
+              <a14:hiddenEffects xmlns="" xmlns:a14="http://schemas.microsoft.com/office/drawing/2010/main">
                 <a:effectLst>
                   <a:outerShdw blurRad="63500" dist="38099" dir="2700000" algn="ctr" rotWithShape="0">
                     <a:srgbClr val="000000">
@@ -1278,7 +1278,7 @@
           <a:ln/>
           <a:extLst>
             <a:ext uri="{AF507438-7753-43e0-B8FC-AC1667EBCBE1}">
-              <a14:hiddenEffects xmlns:a14="http://schemas.microsoft.com/office/drawing/2010/main" xmlns="">
+              <a14:hiddenEffects xmlns="" xmlns:a14="http://schemas.microsoft.com/office/drawing/2010/main">
                 <a:effectLst>
                   <a:outerShdw blurRad="63500" dist="38099" dir="2700000" algn="ctr" rotWithShape="0">
                     <a:srgbClr val="000000">
@@ -1391,7 +1391,7 @@
           <a:ln/>
           <a:extLst>
             <a:ext uri="{AF507438-7753-43e0-B8FC-AC1667EBCBE1}">
-              <a14:hiddenEffects xmlns:a14="http://schemas.microsoft.com/office/drawing/2010/main" xmlns="">
+              <a14:hiddenEffects xmlns="" xmlns:a14="http://schemas.microsoft.com/office/drawing/2010/main">
                 <a:effectLst>
                   <a:outerShdw blurRad="63500" dist="38099" dir="2700000" algn="ctr" rotWithShape="0">
                     <a:srgbClr val="000000">
@@ -1422,7 +1422,7 @@
           <a:ln/>
           <a:extLst>
             <a:ext uri="{AF507438-7753-43e0-B8FC-AC1667EBCBE1}">
-              <a14:hiddenEffects xmlns:a14="http://schemas.microsoft.com/office/drawing/2010/main" xmlns="">
+              <a14:hiddenEffects xmlns="" xmlns:a14="http://schemas.microsoft.com/office/drawing/2010/main">
                 <a:effectLst>
                   <a:outerShdw blurRad="63500" dist="38099" dir="2700000" algn="ctr" rotWithShape="0">
                     <a:srgbClr val="000000">
@@ -1535,7 +1535,7 @@
           <a:ln/>
           <a:extLst>
             <a:ext uri="{AF507438-7753-43e0-B8FC-AC1667EBCBE1}">
-              <a14:hiddenEffects xmlns:a14="http://schemas.microsoft.com/office/drawing/2010/main" xmlns="">
+              <a14:hiddenEffects xmlns="" xmlns:a14="http://schemas.microsoft.com/office/drawing/2010/main">
                 <a:effectLst>
                   <a:outerShdw blurRad="63500" dist="38099" dir="2700000" algn="ctr" rotWithShape="0">
                     <a:srgbClr val="000000">
@@ -1566,7 +1566,7 @@
           <a:ln/>
           <a:extLst>
             <a:ext uri="{AF507438-7753-43e0-B8FC-AC1667EBCBE1}">
-              <a14:hiddenEffects xmlns:a14="http://schemas.microsoft.com/office/drawing/2010/main" xmlns="">
+              <a14:hiddenEffects xmlns="" xmlns:a14="http://schemas.microsoft.com/office/drawing/2010/main">
                 <a:effectLst>
                   <a:outerShdw blurRad="63500" dist="38099" dir="2700000" algn="ctr" rotWithShape="0">
                     <a:srgbClr val="000000">
@@ -1679,7 +1679,7 @@
           <a:ln/>
           <a:extLst>
             <a:ext uri="{AF507438-7753-43e0-B8FC-AC1667EBCBE1}">
-              <a14:hiddenEffects xmlns:a14="http://schemas.microsoft.com/office/drawing/2010/main" xmlns="">
+              <a14:hiddenEffects xmlns="" xmlns:a14="http://schemas.microsoft.com/office/drawing/2010/main">
                 <a:effectLst>
                   <a:outerShdw blurRad="63500" dist="38099" dir="2700000" algn="ctr" rotWithShape="0">
                     <a:srgbClr val="000000">
@@ -1710,7 +1710,7 @@
           <a:ln/>
           <a:extLst>
             <a:ext uri="{AF507438-7753-43e0-B8FC-AC1667EBCBE1}">
-              <a14:hiddenEffects xmlns:a14="http://schemas.microsoft.com/office/drawing/2010/main" xmlns="">
+              <a14:hiddenEffects xmlns="" xmlns:a14="http://schemas.microsoft.com/office/drawing/2010/main">
                 <a:effectLst>
                   <a:outerShdw blurRad="63500" dist="38099" dir="2700000" algn="ctr" rotWithShape="0">
                     <a:srgbClr val="000000">
@@ -1823,7 +1823,7 @@
           <a:ln/>
           <a:extLst>
             <a:ext uri="{AF507438-7753-43e0-B8FC-AC1667EBCBE1}">
-              <a14:hiddenEffects xmlns:a14="http://schemas.microsoft.com/office/drawing/2010/main" xmlns="">
+              <a14:hiddenEffects xmlns="" xmlns:a14="http://schemas.microsoft.com/office/drawing/2010/main">
                 <a:effectLst>
                   <a:outerShdw blurRad="63500" dist="38099" dir="2700000" algn="ctr" rotWithShape="0">
                     <a:srgbClr val="000000">
@@ -1854,7 +1854,7 @@
           <a:ln/>
           <a:extLst>
             <a:ext uri="{AF507438-7753-43e0-B8FC-AC1667EBCBE1}">
-              <a14:hiddenEffects xmlns:a14="http://schemas.microsoft.com/office/drawing/2010/main" xmlns="">
+              <a14:hiddenEffects xmlns="" xmlns:a14="http://schemas.microsoft.com/office/drawing/2010/main">
                 <a:effectLst>
                   <a:outerShdw blurRad="63500" dist="38099" dir="2700000" algn="ctr" rotWithShape="0">
                     <a:srgbClr val="000000">
@@ -1967,7 +1967,7 @@
           <a:ln/>
           <a:extLst>
             <a:ext uri="{AF507438-7753-43e0-B8FC-AC1667EBCBE1}">
-              <a14:hiddenEffects xmlns:a14="http://schemas.microsoft.com/office/drawing/2010/main" xmlns="">
+              <a14:hiddenEffects xmlns="" xmlns:a14="http://schemas.microsoft.com/office/drawing/2010/main">
                 <a:effectLst>
                   <a:outerShdw blurRad="63500" dist="38099" dir="2700000" algn="ctr" rotWithShape="0">
                     <a:srgbClr val="000000">
@@ -1998,7 +1998,7 @@
           <a:ln/>
           <a:extLst>
             <a:ext uri="{AF507438-7753-43e0-B8FC-AC1667EBCBE1}">
-              <a14:hiddenEffects xmlns:a14="http://schemas.microsoft.com/office/drawing/2010/main" xmlns="">
+              <a14:hiddenEffects xmlns="" xmlns:a14="http://schemas.microsoft.com/office/drawing/2010/main">
                 <a:effectLst>
                   <a:outerShdw blurRad="63500" dist="38099" dir="2700000" algn="ctr" rotWithShape="0">
                     <a:srgbClr val="000000">
@@ -2111,7 +2111,7 @@
           <a:ln/>
           <a:extLst>
             <a:ext uri="{AF507438-7753-43e0-B8FC-AC1667EBCBE1}">
-              <a14:hiddenEffects xmlns:a14="http://schemas.microsoft.com/office/drawing/2010/main" xmlns="">
+              <a14:hiddenEffects xmlns="" xmlns:a14="http://schemas.microsoft.com/office/drawing/2010/main">
                 <a:effectLst>
                   <a:outerShdw blurRad="63500" dist="38099" dir="2700000" algn="ctr" rotWithShape="0">
                     <a:srgbClr val="000000">
@@ -2142,7 +2142,7 @@
           <a:ln/>
           <a:extLst>
             <a:ext uri="{AF507438-7753-43e0-B8FC-AC1667EBCBE1}">
-              <a14:hiddenEffects xmlns:a14="http://schemas.microsoft.com/office/drawing/2010/main" xmlns="">
+              <a14:hiddenEffects xmlns="" xmlns:a14="http://schemas.microsoft.com/office/drawing/2010/main">
                 <a:effectLst>
                   <a:outerShdw blurRad="63500" dist="38099" dir="2700000" algn="ctr" rotWithShape="0">
                     <a:srgbClr val="000000">
@@ -2255,7 +2255,7 @@
           <a:ln/>
           <a:extLst>
             <a:ext uri="{AF507438-7753-43e0-B8FC-AC1667EBCBE1}">
-              <a14:hiddenEffects xmlns:a14="http://schemas.microsoft.com/office/drawing/2010/main" xmlns="">
+              <a14:hiddenEffects xmlns="" xmlns:a14="http://schemas.microsoft.com/office/drawing/2010/main">
                 <a:effectLst>
                   <a:outerShdw blurRad="63500" dist="38099" dir="2700000" algn="ctr" rotWithShape="0">
                     <a:srgbClr val="000000">
@@ -2286,7 +2286,7 @@
           <a:ln/>
           <a:extLst>
             <a:ext uri="{AF507438-7753-43e0-B8FC-AC1667EBCBE1}">
-              <a14:hiddenEffects xmlns:a14="http://schemas.microsoft.com/office/drawing/2010/main" xmlns="">
+              <a14:hiddenEffects xmlns="" xmlns:a14="http://schemas.microsoft.com/office/drawing/2010/main">
                 <a:effectLst>
                   <a:outerShdw blurRad="63500" dist="38099" dir="2700000" algn="ctr" rotWithShape="0">
                     <a:srgbClr val="000000">
@@ -2511,7 +2511,7 @@
           <a:p>
             <a:fld id="{2691D6E4-0F7A-0249-86EF-226720E50E4C}" type="datetimeFigureOut">
               <a:rPr lang="en-US" smtClean="0"/>
-              <a:t>1/11/2024</a:t>
+              <a:t>1/14/2025</a:t>
             </a:fld>
             <a:endParaRPr lang="en-US"/>
           </a:p>
@@ -2703,7 +2703,7 @@
           <a:p>
             <a:fld id="{2691D6E4-0F7A-0249-86EF-226720E50E4C}" type="datetimeFigureOut">
               <a:rPr lang="en-US" smtClean="0"/>
-              <a:t>1/11/2024</a:t>
+              <a:t>1/14/2025</a:t>
             </a:fld>
             <a:endParaRPr lang="en-US"/>
           </a:p>
@@ -2905,7 +2905,7 @@
           <a:p>
             <a:fld id="{2691D6E4-0F7A-0249-86EF-226720E50E4C}" type="datetimeFigureOut">
               <a:rPr lang="en-US" smtClean="0"/>
-              <a:t>1/11/2024</a:t>
+              <a:t>1/14/2025</a:t>
             </a:fld>
             <a:endParaRPr lang="en-US"/>
           </a:p>
@@ -3097,7 +3097,7 @@
           <a:p>
             <a:fld id="{2691D6E4-0F7A-0249-86EF-226720E50E4C}" type="datetimeFigureOut">
               <a:rPr lang="en-US" smtClean="0"/>
-              <a:t>1/11/2024</a:t>
+              <a:t>1/14/2025</a:t>
             </a:fld>
             <a:endParaRPr lang="en-US"/>
           </a:p>
@@ -3366,7 +3366,7 @@
           <a:p>
             <a:fld id="{2691D6E4-0F7A-0249-86EF-226720E50E4C}" type="datetimeFigureOut">
               <a:rPr lang="en-US" smtClean="0"/>
-              <a:t>1/11/2024</a:t>
+              <a:t>1/14/2025</a:t>
             </a:fld>
             <a:endParaRPr lang="en-US"/>
           </a:p>
@@ -3675,7 +3675,7 @@
           <a:p>
             <a:fld id="{2691D6E4-0F7A-0249-86EF-226720E50E4C}" type="datetimeFigureOut">
               <a:rPr lang="en-US" smtClean="0"/>
-              <a:t>1/11/2024</a:t>
+              <a:t>1/14/2025</a:t>
             </a:fld>
             <a:endParaRPr lang="en-US"/>
           </a:p>
@@ -4118,7 +4118,7 @@
           <a:p>
             <a:fld id="{2691D6E4-0F7A-0249-86EF-226720E50E4C}" type="datetimeFigureOut">
               <a:rPr lang="en-US" smtClean="0"/>
-              <a:t>1/11/2024</a:t>
+              <a:t>1/14/2025</a:t>
             </a:fld>
             <a:endParaRPr lang="en-US"/>
           </a:p>
@@ -4259,7 +4259,7 @@
           <a:p>
             <a:fld id="{2691D6E4-0F7A-0249-86EF-226720E50E4C}" type="datetimeFigureOut">
               <a:rPr lang="en-US" smtClean="0"/>
-              <a:t>1/11/2024</a:t>
+              <a:t>1/14/2025</a:t>
             </a:fld>
             <a:endParaRPr lang="en-US"/>
           </a:p>
@@ -4378,7 +4378,7 @@
           <a:p>
             <a:fld id="{2691D6E4-0F7A-0249-86EF-226720E50E4C}" type="datetimeFigureOut">
               <a:rPr lang="en-US" smtClean="0"/>
-              <a:t>1/11/2024</a:t>
+              <a:t>1/14/2025</a:t>
             </a:fld>
             <a:endParaRPr lang="en-US"/>
           </a:p>
@@ -4677,7 +4677,7 @@
           <a:p>
             <a:fld id="{2691D6E4-0F7A-0249-86EF-226720E50E4C}" type="datetimeFigureOut">
               <a:rPr lang="en-US" smtClean="0"/>
-              <a:t>1/11/2024</a:t>
+              <a:t>1/14/2025</a:t>
             </a:fld>
             <a:endParaRPr lang="en-US"/>
           </a:p>
@@ -4953,7 +4953,7 @@
           <a:p>
             <a:fld id="{2691D6E4-0F7A-0249-86EF-226720E50E4C}" type="datetimeFigureOut">
               <a:rPr lang="en-US" smtClean="0"/>
-              <a:t>1/11/2024</a:t>
+              <a:t>1/14/2025</a:t>
             </a:fld>
             <a:endParaRPr lang="en-US"/>
           </a:p>
@@ -7293,7 +7293,9 @@
         </p:nvSpPr>
         <p:spPr/>
         <p:txBody>
-          <a:bodyPr/>
+          <a:bodyPr>
+            <a:normAutofit/>
+          </a:bodyPr>
           <a:lstStyle/>
           <a:p>
             <a:pPr>
@@ -7305,23 +7307,23 @@
               <a:defRPr/>
             </a:pPr>
             <a:r>
-              <a:rPr lang="en-US" dirty="0">
+              <a:rPr lang="en-US" sz="2400" dirty="0">
                 <a:latin typeface="Calibri" charset="0"/>
               </a:rPr>
               <a:t>Thank you for filling in the GitHub to Student survey – </a:t>
             </a:r>
             <a:r>
-              <a:rPr lang="en-US" b="1" dirty="0">
+              <a:rPr lang="en-US" sz="2400" b="1" dirty="0">
                 <a:latin typeface="Calibri" charset="0"/>
               </a:rPr>
-              <a:t>we still need more responses!</a:t>
-            </a:r>
-            <a:endParaRPr lang="en-US" dirty="0">
+              <a:t>never before have exactly half of you been wrong!</a:t>
+            </a:r>
+            <a:endParaRPr lang="en-US" sz="2400" dirty="0">
               <a:latin typeface="Calibri" charset="0"/>
             </a:endParaRPr>
           </a:p>
           <a:p>
-            <a:endParaRPr lang="en-US" dirty="0"/>
+            <a:endParaRPr lang="en-US" sz="2400" dirty="0"/>
           </a:p>
         </p:txBody>
       </p:sp>
@@ -7385,6 +7387,90 @@
           </a:prstGeom>
         </p:spPr>
       </p:pic>
+      <p:pic>
+        <p:nvPicPr>
+          <p:cNvPr id="1026" name="Picture 2">
+            <a:extLst>
+              <a:ext uri="{FF2B5EF4-FFF2-40B4-BE49-F238E27FC236}">
+                <a16:creationId xmlns:a16="http://schemas.microsoft.com/office/drawing/2014/main" id="{B7B5B0F4-845F-E158-2AB5-BFCFCECCC905}"/>
+              </a:ext>
+            </a:extLst>
+          </p:cNvPr>
+          <p:cNvPicPr>
+            <a:picLocks noChangeAspect="1" noChangeArrowheads="1"/>
+          </p:cNvPicPr>
+          <p:nvPr/>
+        </p:nvPicPr>
+        <p:blipFill>
+          <a:blip r:embed="rId4">
+            <a:extLst>
+              <a:ext uri="{28A0092B-C50C-407E-A947-70E740481C1C}">
+                <a14:useLocalDpi xmlns:a14="http://schemas.microsoft.com/office/drawing/2010/main" val="0"/>
+              </a:ext>
+            </a:extLst>
+          </a:blip>
+          <a:srcRect/>
+          <a:stretch>
+            <a:fillRect/>
+          </a:stretch>
+        </p:blipFill>
+        <p:spPr bwMode="auto">
+          <a:xfrm>
+            <a:off x="2161860" y="3172534"/>
+            <a:ext cx="5740736" cy="3550087"/>
+          </a:xfrm>
+          <a:prstGeom prst="rect">
+            <a:avLst/>
+          </a:prstGeom>
+          <a:noFill/>
+          <a:extLst>
+            <a:ext uri="{909E8E84-426E-40DD-AFC4-6F175D3DCCD1}">
+              <a14:hiddenFill xmlns:a14="http://schemas.microsoft.com/office/drawing/2010/main">
+                <a:solidFill>
+                  <a:srgbClr val="FFFFFF"/>
+                </a:solidFill>
+              </a14:hiddenFill>
+            </a:ext>
+          </a:extLst>
+        </p:spPr>
+      </p:pic>
+      <p:sp>
+        <p:nvSpPr>
+          <p:cNvPr id="6" name="TextBox 5">
+            <a:extLst>
+              <a:ext uri="{FF2B5EF4-FFF2-40B4-BE49-F238E27FC236}">
+                <a16:creationId xmlns:a16="http://schemas.microsoft.com/office/drawing/2014/main" id="{FE9A0632-BE2B-AADC-D8D7-F3A5393F923F}"/>
+              </a:ext>
+            </a:extLst>
+          </p:cNvPr>
+          <p:cNvSpPr txBox="1"/>
+          <p:nvPr/>
+        </p:nvSpPr>
+        <p:spPr>
+          <a:xfrm>
+            <a:off x="669162" y="3172534"/>
+            <a:ext cx="1414362" cy="369332"/>
+          </a:xfrm>
+          <a:prstGeom prst="rect">
+            <a:avLst/>
+          </a:prstGeom>
+          <a:solidFill>
+            <a:schemeClr val="bg1"/>
+          </a:solidFill>
+        </p:spPr>
+        <p:txBody>
+          <a:bodyPr wrap="none" rtlCol="0">
+            <a:spAutoFit/>
+          </a:bodyPr>
+          <a:lstStyle/>
+          <a:p>
+            <a:r>
+              <a:rPr lang="en-US" dirty="0"/>
+              <a:t>24 responses</a:t>
+            </a:r>
+          </a:p>
+        </p:txBody>
+      </p:sp>
     </p:spTree>
     <p:extLst>
       <p:ext uri="{BB962C8B-B14F-4D97-AF65-F5344CB8AC3E}">
@@ -9679,7 +9765,7 @@
           <a:effectLst/>
           <a:extLst>
             <a:ext uri="{AF507438-7753-43e0-B8FC-AC1667EBCBE1}">
-              <a14:hiddenEffects xmlns:a14="http://schemas.microsoft.com/office/drawing/2010/main" xmlns="">
+              <a14:hiddenEffects xmlns="" xmlns:a14="http://schemas.microsoft.com/office/drawing/2010/main">
                 <a:effectLst>
                   <a:outerShdw blurRad="63500" dist="38099" dir="2700000" algn="ctr" rotWithShape="0">
                     <a:schemeClr val="bg2">
